--- a/MUS2830_Week8/MUS2830_week8.pptx
+++ b/MUS2830_Week8/MUS2830_week8.pptx
@@ -695,6 +695,193 @@
 </file>
 
 <file path=ppt/notesSlides/notesSlide3.xml><?xml version="1.0" encoding="utf-8"?>
+<p:notes xmlns:a="http://schemas.openxmlformats.org/drawingml/2006/main" xmlns:r="http://schemas.openxmlformats.org/officeDocument/2006/relationships" xmlns:p="http://schemas.openxmlformats.org/presentationml/2006/main">
+  <p:cSld>
+    <p:spTree>
+      <p:nvGrpSpPr>
+        <p:cNvPr id="1" name=""/>
+        <p:cNvGrpSpPr/>
+        <p:nvPr/>
+      </p:nvGrpSpPr>
+      <p:grpSpPr>
+        <a:xfrm>
+          <a:off x="0" y="0"/>
+          <a:ext cx="0" cy="0"/>
+          <a:chOff x="0" y="0"/>
+          <a:chExt cx="0" cy="0"/>
+        </a:xfrm>
+      </p:grpSpPr>
+      <p:sp>
+        <p:nvSpPr>
+          <p:cNvPr id="2" name="Slide Image Placeholder 1"/>
+          <p:cNvSpPr>
+            <a:spLocks noGrp="1" noRot="1" noChangeAspect="1"/>
+          </p:cNvSpPr>
+          <p:nvPr>
+            <p:ph type="sldImg"/>
+          </p:nvPr>
+        </p:nvSpPr>
+        <p:spPr/>
+      </p:sp>
+      <p:sp>
+        <p:nvSpPr>
+          <p:cNvPr id="3" name="Notes Placeholder 2"/>
+          <p:cNvSpPr>
+            <a:spLocks noGrp="1"/>
+          </p:cNvSpPr>
+          <p:nvPr>
+            <p:ph type="body" idx="1"/>
+          </p:nvPr>
+        </p:nvSpPr>
+        <p:spPr/>
+        <p:txBody>
+          <a:bodyPr/>
+          <a:lstStyle/>
+          <a:p>
+            <a:r>
+              <a:rPr lang="en-NO" dirty="0"/>
+              <a:t>Musical instrument digital interface.</a:t>
+            </a:r>
+          </a:p>
+          <a:p>
+            <a:endParaRPr lang="en-NO" dirty="0"/>
+          </a:p>
+          <a:p>
+            <a:r>
+              <a:rPr lang="en-NO" dirty="0"/>
+              <a:t>Early 80s: </a:t>
+            </a:r>
+            <a:r>
+              <a:rPr lang="en-US" sz="1200" b="0" i="0" kern="1200" dirty="0">
+                <a:solidFill>
+                  <a:schemeClr val="tx1"/>
+                </a:solidFill>
+                <a:effectLst/>
+                <a:latin typeface="+mn-lt"/>
+                <a:ea typeface="+mn-ea"/>
+                <a:cs typeface="+mn-cs"/>
+              </a:rPr>
+              <a:t>Manufacturers had their own proprietary standards to synchronize instruments</a:t>
+            </a:r>
+          </a:p>
+          <a:p>
+            <a:r>
+              <a:rPr lang="en-US" sz="1200" b="0" i="0" kern="1200" dirty="0">
+                <a:solidFill>
+                  <a:schemeClr val="tx1"/>
+                </a:solidFill>
+                <a:effectLst/>
+                <a:latin typeface="+mn-lt"/>
+                <a:ea typeface="+mn-ea"/>
+                <a:cs typeface="+mn-cs"/>
+              </a:rPr>
+              <a:t>Then (1982)  </a:t>
+            </a:r>
+            <a:r>
+              <a:rPr lang="en-US" sz="1200" b="0" i="0" u="none" strike="noStrike" kern="1200" dirty="0">
+                <a:solidFill>
+                  <a:schemeClr val="tx1"/>
+                </a:solidFill>
+                <a:effectLst/>
+                <a:latin typeface="+mn-lt"/>
+                <a:ea typeface="+mn-ea"/>
+                <a:cs typeface="+mn-cs"/>
+                <a:hlinkClick r:id="rId3" tooltip="Standardization"/>
+              </a:rPr>
+              <a:t>standardized</a:t>
+            </a:r>
+            <a:r>
+              <a:rPr lang="en-US" sz="1200" b="0" i="0" kern="1200" dirty="0">
+                <a:solidFill>
+                  <a:schemeClr val="tx1"/>
+                </a:solidFill>
+                <a:effectLst/>
+                <a:latin typeface="+mn-lt"/>
+                <a:ea typeface="+mn-ea"/>
+                <a:cs typeface="+mn-cs"/>
+              </a:rPr>
+              <a:t> means of synchronizing </a:t>
+            </a:r>
+            <a:r>
+              <a:rPr lang="en-US" sz="1200" b="0" i="0" u="none" strike="noStrike" kern="1200" dirty="0">
+                <a:solidFill>
+                  <a:schemeClr val="tx1"/>
+                </a:solidFill>
+                <a:effectLst/>
+                <a:latin typeface="+mn-lt"/>
+                <a:ea typeface="+mn-ea"/>
+                <a:cs typeface="+mn-cs"/>
+                <a:hlinkClick r:id="rId4" tooltip="Electronic musical instrument"/>
+              </a:rPr>
+              <a:t>electronic musical instruments</a:t>
+            </a:r>
+            <a:r>
+              <a:rPr lang="en-US" sz="1200" b="0" i="0" kern="1200" dirty="0">
+                <a:solidFill>
+                  <a:schemeClr val="tx1"/>
+                </a:solidFill>
+                <a:effectLst/>
+                <a:latin typeface="+mn-lt"/>
+                <a:ea typeface="+mn-ea"/>
+                <a:cs typeface="+mn-cs"/>
+              </a:rPr>
+              <a:t> manufactured by different companies</a:t>
+            </a:r>
+          </a:p>
+          <a:p>
+            <a:r>
+              <a:rPr lang="en-US" sz="1200" b="0" i="0" kern="1200" dirty="0">
+                <a:solidFill>
+                  <a:schemeClr val="tx1"/>
+                </a:solidFill>
+                <a:effectLst/>
+                <a:latin typeface="+mn-lt"/>
+                <a:ea typeface="+mn-ea"/>
+                <a:cs typeface="+mn-cs"/>
+              </a:rPr>
+              <a:t> </a:t>
+            </a:r>
+            <a:endParaRPr lang="en-NO" dirty="0"/>
+          </a:p>
+        </p:txBody>
+      </p:sp>
+      <p:sp>
+        <p:nvSpPr>
+          <p:cNvPr id="4" name="Slide Number Placeholder 3"/>
+          <p:cNvSpPr>
+            <a:spLocks noGrp="1"/>
+          </p:cNvSpPr>
+          <p:nvPr>
+            <p:ph type="sldNum" sz="quarter" idx="5"/>
+          </p:nvPr>
+        </p:nvSpPr>
+        <p:spPr/>
+        <p:txBody>
+          <a:bodyPr/>
+          <a:lstStyle/>
+          <a:p>
+            <a:fld id="{1F8E1AFD-E6DE-B34B-87F6-4DBA1403B241}" type="slidenum">
+              <a:rPr lang="en-NO" smtClean="0"/>
+              <a:t>3</a:t>
+            </a:fld>
+            <a:endParaRPr lang="en-NO"/>
+          </a:p>
+        </p:txBody>
+      </p:sp>
+    </p:spTree>
+    <p:extLst>
+      <p:ext uri="{BB962C8B-B14F-4D97-AF65-F5344CB8AC3E}">
+        <p14:creationId xmlns:p14="http://schemas.microsoft.com/office/powerpoint/2010/main" val="1909509435"/>
+      </p:ext>
+    </p:extLst>
+  </p:cSld>
+  <p:clrMapOvr>
+    <a:masterClrMapping/>
+  </p:clrMapOvr>
+</p:notes>
+</file>
+
+<file path=ppt/notesSlides/notesSlide4.xml><?xml version="1.0" encoding="utf-8"?>
 <p:notes xmlns:a="http://schemas.openxmlformats.org/drawingml/2006/main" xmlns:r="http://schemas.openxmlformats.org/officeDocument/2006/relationships" xmlns:p="http://schemas.openxmlformats.org/presentationml/2006/main">
   <p:cSld>
     <p:spTree>
@@ -5352,7 +5539,7 @@
           <p:nvPr/>
         </p:nvPicPr>
         <p:blipFill>
-          <a:blip r:embed="rId2"/>
+          <a:blip r:embed="rId3"/>
           <a:stretch>
             <a:fillRect/>
           </a:stretch>
